--- a/Презентация - 8.pptx
+++ b/Презентация - 8.pptx
@@ -5139,7 +5139,18 @@
                 </a:solidFill>
                 <a:latin typeface="Georgia" panose="02040502050405020303" pitchFamily="18" charset="0"/>
               </a:rPr>
-              <a:t>” </a:t>
+              <a:t>”</a:t>
+            </a:r>
+            <a:r>
+              <a:rPr lang="bg-BG" dirty="0" smtClean="0">
+                <a:solidFill>
+                  <a:schemeClr val="accent2">
+                    <a:lumMod val="50000"/>
+                  </a:schemeClr>
+                </a:solidFill>
+                <a:latin typeface="Georgia" panose="02040502050405020303" pitchFamily="18" charset="0"/>
+              </a:rPr>
+              <a:t> </a:t>
             </a:r>
             <a:r>
               <a:rPr lang="bg-BG" sz="2400" dirty="0" smtClean="0">
@@ -5150,7 +5161,18 @@
                 </a:solidFill>
                 <a:latin typeface="Georgia" panose="02040502050405020303" pitchFamily="18" charset="0"/>
               </a:rPr>
-              <a:t>е развлекателна игра, с която, със сигурност, няма да ви е скучно. Тя може да се играе както с Интернет, така и без Интернет. Целта на играта е да оцелееш колкото се може повече без да се блъскаш.</a:t>
+              <a:t>е </a:t>
+            </a:r>
+            <a:r>
+              <a:rPr lang="bg-BG" sz="2400" dirty="0" smtClean="0">
+                <a:solidFill>
+                  <a:schemeClr val="accent2">
+                    <a:lumMod val="50000"/>
+                  </a:schemeClr>
+                </a:solidFill>
+                <a:latin typeface="Georgia" panose="02040502050405020303" pitchFamily="18" charset="0"/>
+              </a:rPr>
+              <a:t>развлекателна игра, с която, със сигурност, няма да ви е скучно. Тя може да се играе както с Интернет, така и без Интернет. Целта на играта е да оцелееш колкото се може повече без да се блъскаш.</a:t>
             </a:r>
             <a:endParaRPr lang="en-US" dirty="0">
               <a:solidFill>
@@ -5298,14 +5320,14 @@
       </p:sp>
       <p:pic>
         <p:nvPicPr>
-          <p:cNvPr id="5" name="Picture 4"/>
+          <p:cNvPr id="2" name="Picture 1"/>
           <p:cNvPicPr>
             <a:picLocks noChangeAspect="1"/>
           </p:cNvPicPr>
           <p:nvPr/>
         </p:nvPicPr>
         <p:blipFill>
-          <a:blip r:embed="rId2" cstate="print">
+          <a:blip r:embed="rId2">
             <a:extLst>
               <a:ext uri="{28A0092B-C50C-407E-A947-70E740481C1C}">
                 <a14:useLocalDpi xmlns:a14="http://schemas.microsoft.com/office/drawing/2010/main" val="0"/>
@@ -5318,8 +5340,8 @@
         </p:blipFill>
         <p:spPr>
           <a:xfrm>
-            <a:off x="10343606" y="1670186"/>
-            <a:ext cx="1658984" cy="1658984"/>
+            <a:off x="9597798" y="1442448"/>
+            <a:ext cx="2594202" cy="2594202"/>
           </a:xfrm>
           <a:prstGeom prst="rect">
             <a:avLst/>
@@ -5328,14 +5350,14 @@
       </p:pic>
       <p:pic>
         <p:nvPicPr>
-          <p:cNvPr id="7" name="Picture 6"/>
+          <p:cNvPr id="6" name="Picture 5"/>
           <p:cNvPicPr>
             <a:picLocks noChangeAspect="1"/>
           </p:cNvPicPr>
           <p:nvPr/>
         </p:nvPicPr>
         <p:blipFill>
-          <a:blip r:embed="rId3" cstate="print">
+          <a:blip r:embed="rId3">
             <a:extLst>
               <a:ext uri="{28A0092B-C50C-407E-A947-70E740481C1C}">
                 <a14:useLocalDpi xmlns:a14="http://schemas.microsoft.com/office/drawing/2010/main" val="0"/>
@@ -5347,9 +5369,9 @@
           </a:stretch>
         </p:blipFill>
         <p:spPr>
-          <a:xfrm>
-            <a:off x="198122" y="4390571"/>
-            <a:ext cx="1529806" cy="1529806"/>
+          <a:xfrm rot="20351755">
+            <a:off x="154106" y="3978311"/>
+            <a:ext cx="1888781" cy="1896337"/>
           </a:xfrm>
           <a:prstGeom prst="rect">
             <a:avLst/>
@@ -5821,112 +5843,6 @@
                                         </p:tav>
                                       </p:tavLst>
                                     </p:anim>
-                                  </p:childTnLst>
-                                </p:cTn>
-                              </p:par>
-                            </p:childTnLst>
-                          </p:cTn>
-                        </p:par>
-                      </p:childTnLst>
-                    </p:cTn>
-                  </p:par>
-                  <p:par>
-                    <p:cTn id="31" fill="hold">
-                      <p:stCondLst>
-                        <p:cond delay="indefinite"/>
-                      </p:stCondLst>
-                      <p:childTnLst>
-                        <p:par>
-                          <p:cTn id="32" fill="hold">
-                            <p:stCondLst>
-                              <p:cond delay="0"/>
-                            </p:stCondLst>
-                            <p:childTnLst>
-                              <p:par>
-                                <p:cTn id="33" presetID="21" presetClass="entr" presetSubtype="1" fill="hold" nodeType="clickEffect">
-                                  <p:stCondLst>
-                                    <p:cond delay="0"/>
-                                  </p:stCondLst>
-                                  <p:childTnLst>
-                                    <p:set>
-                                      <p:cBhvr>
-                                        <p:cTn id="34" dur="1" fill="hold">
-                                          <p:stCondLst>
-                                            <p:cond delay="0"/>
-                                          </p:stCondLst>
-                                        </p:cTn>
-                                        <p:tgtEl>
-                                          <p:spTgt spid="7"/>
-                                        </p:tgtEl>
-                                        <p:attrNameLst>
-                                          <p:attrName>style.visibility</p:attrName>
-                                        </p:attrNameLst>
-                                      </p:cBhvr>
-                                      <p:to>
-                                        <p:strVal val="visible"/>
-                                      </p:to>
-                                    </p:set>
-                                    <p:animEffect transition="in" filter="wheel(1)">
-                                      <p:cBhvr>
-                                        <p:cTn id="35" dur="2000"/>
-                                        <p:tgtEl>
-                                          <p:spTgt spid="7"/>
-                                        </p:tgtEl>
-                                      </p:cBhvr>
-                                    </p:animEffect>
-                                  </p:childTnLst>
-                                </p:cTn>
-                              </p:par>
-                            </p:childTnLst>
-                          </p:cTn>
-                        </p:par>
-                      </p:childTnLst>
-                    </p:cTn>
-                  </p:par>
-                  <p:par>
-                    <p:cTn id="36" fill="hold">
-                      <p:stCondLst>
-                        <p:cond delay="indefinite"/>
-                      </p:stCondLst>
-                      <p:childTnLst>
-                        <p:par>
-                          <p:cTn id="37" fill="hold">
-                            <p:stCondLst>
-                              <p:cond delay="0"/>
-                            </p:stCondLst>
-                            <p:childTnLst>
-                              <p:par>
-                                <p:cTn id="38" presetID="21" presetClass="entr" presetSubtype="1" fill="hold" nodeType="clickEffect">
-                                  <p:stCondLst>
-                                    <p:cond delay="0"/>
-                                  </p:stCondLst>
-                                  <p:childTnLst>
-                                    <p:set>
-                                      <p:cBhvr>
-                                        <p:cTn id="39" dur="1" fill="hold">
-                                          <p:stCondLst>
-                                            <p:cond delay="0"/>
-                                          </p:stCondLst>
-                                        </p:cTn>
-                                        <p:tgtEl>
-                                          <p:spTgt spid="5"/>
-                                        </p:tgtEl>
-                                        <p:attrNameLst>
-                                          <p:attrName>style.visibility</p:attrName>
-                                        </p:attrNameLst>
-                                      </p:cBhvr>
-                                      <p:to>
-                                        <p:strVal val="visible"/>
-                                      </p:to>
-                                    </p:set>
-                                    <p:animEffect transition="in" filter="wheel(1)">
-                                      <p:cBhvr>
-                                        <p:cTn id="40" dur="2000"/>
-                                        <p:tgtEl>
-                                          <p:spTgt spid="5"/>
-                                        </p:tgtEl>
-                                      </p:cBhvr>
-                                    </p:animEffect>
                                   </p:childTnLst>
                                 </p:cTn>
                               </p:par>
@@ -6074,7 +5990,18 @@
                 </a:solidFill>
                 <a:latin typeface="Georgia" panose="02040502050405020303" pitchFamily="18" charset="0"/>
               </a:rPr>
-              <a:t>” </a:t>
+              <a:t>”</a:t>
+            </a:r>
+            <a:r>
+              <a:rPr lang="en-US" sz="2400" dirty="0" smtClean="0">
+                <a:solidFill>
+                  <a:schemeClr val="accent4">
+                    <a:lumMod val="50000"/>
+                  </a:schemeClr>
+                </a:solidFill>
+                <a:latin typeface="Georgia" panose="02040502050405020303" pitchFamily="18" charset="0"/>
+              </a:rPr>
+              <a:t> </a:t>
             </a:r>
             <a:r>
               <a:rPr lang="bg-BG" sz="2400" dirty="0" smtClean="0">
@@ -6085,40 +6012,7 @@
                 </a:solidFill>
                 <a:latin typeface="Georgia" panose="02040502050405020303" pitchFamily="18" charset="0"/>
               </a:rPr>
-              <a:t>се управлява от бутон, който се използва за преодоляване на препятствията по трасето. При </a:t>
-            </a:r>
-            <a:r>
-              <a:rPr lang="bg-BG" sz="2400" dirty="0" smtClean="0">
-                <a:solidFill>
-                  <a:schemeClr val="accent4">
-                    <a:lumMod val="50000"/>
-                  </a:schemeClr>
-                </a:solidFill>
-                <a:latin typeface="Georgia" panose="02040502050405020303" pitchFamily="18" charset="0"/>
-              </a:rPr>
-              <a:t>стартирането </a:t>
-            </a:r>
-            <a:r>
-              <a:rPr lang="bg-BG" sz="2400" dirty="0" smtClean="0">
-                <a:solidFill>
-                  <a:schemeClr val="accent4">
-                    <a:lumMod val="50000"/>
-                  </a:schemeClr>
-                </a:solidFill>
-                <a:latin typeface="Georgia" panose="02040502050405020303" pitchFamily="18" charset="0"/>
-              </a:rPr>
-              <a:t>на самата игра светва лампичка, която се изключва самостоятелно в </a:t>
-            </a:r>
-            <a:r>
-              <a:rPr lang="bg-BG" sz="2400" dirty="0" smtClean="0">
-                <a:solidFill>
-                  <a:schemeClr val="accent4">
-                    <a:lumMod val="50000"/>
-                  </a:schemeClr>
-                </a:solidFill>
-                <a:latin typeface="Georgia" panose="02040502050405020303" pitchFamily="18" charset="0"/>
-              </a:rPr>
-              <a:t>момента</a:t>
+              <a:t>се управлява от бутон, който се използва за преодоляване на препятствията по трасето. При стартирането на самата игра светва лампичка, която се изключва самостоятелно в момента</a:t>
             </a:r>
             <a:r>
               <a:rPr lang="en-US" sz="2400" dirty="0" smtClean="0">
@@ -6140,18 +6034,7 @@
                 </a:solidFill>
                 <a:latin typeface="Georgia" panose="02040502050405020303" pitchFamily="18" charset="0"/>
               </a:rPr>
-              <a:t> </a:t>
-            </a:r>
-            <a:r>
-              <a:rPr lang="bg-BG" sz="2400" dirty="0" smtClean="0">
-                <a:solidFill>
-                  <a:schemeClr val="accent4">
-                    <a:lumMod val="50000"/>
-                  </a:schemeClr>
-                </a:solidFill>
-                <a:latin typeface="Georgia" panose="02040502050405020303" pitchFamily="18" charset="0"/>
-              </a:rPr>
-              <a:t>когато играта приключи. </a:t>
+              <a:t> когато играта приключи. </a:t>
             </a:r>
             <a:endParaRPr lang="en-US" sz="2400" dirty="0">
               <a:solidFill>
@@ -6249,7 +6132,7 @@
       </p:sp>
       <p:pic>
         <p:nvPicPr>
-          <p:cNvPr id="5" name="Picture 4"/>
+          <p:cNvPr id="2" name="Picture 1"/>
           <p:cNvPicPr>
             <a:picLocks noChangeAspect="1"/>
           </p:cNvPicPr>
@@ -6269,8 +6152,8 @@
         </p:blipFill>
         <p:spPr>
           <a:xfrm>
-            <a:off x="1428749" y="4489954"/>
-            <a:ext cx="3439341" cy="1743517"/>
+            <a:off x="6441078" y="0"/>
+            <a:ext cx="4713514" cy="2576179"/>
           </a:xfrm>
           <a:prstGeom prst="rect">
             <a:avLst/>
@@ -6279,7 +6162,7 @@
       </p:pic>
       <p:pic>
         <p:nvPicPr>
-          <p:cNvPr id="6" name="Picture 5"/>
+          <p:cNvPr id="7" name="Picture 6"/>
           <p:cNvPicPr>
             <a:picLocks noChangeAspect="1"/>
           </p:cNvPicPr>
@@ -6299,8 +6182,8 @@
         </p:blipFill>
         <p:spPr>
           <a:xfrm>
-            <a:off x="7063376" y="670558"/>
-            <a:ext cx="3926841" cy="1933303"/>
+            <a:off x="854849" y="4345578"/>
+            <a:ext cx="4334784" cy="2194244"/>
           </a:xfrm>
           <a:prstGeom prst="rect">
             <a:avLst/>
@@ -6772,112 +6655,6 @@
                                         </p:tav>
                                       </p:tavLst>
                                     </p:anim>
-                                  </p:childTnLst>
-                                </p:cTn>
-                              </p:par>
-                            </p:childTnLst>
-                          </p:cTn>
-                        </p:par>
-                      </p:childTnLst>
-                    </p:cTn>
-                  </p:par>
-                  <p:par>
-                    <p:cTn id="31" fill="hold">
-                      <p:stCondLst>
-                        <p:cond delay="indefinite"/>
-                      </p:stCondLst>
-                      <p:childTnLst>
-                        <p:par>
-                          <p:cTn id="32" fill="hold">
-                            <p:stCondLst>
-                              <p:cond delay="0"/>
-                            </p:stCondLst>
-                            <p:childTnLst>
-                              <p:par>
-                                <p:cTn id="33" presetID="21" presetClass="entr" presetSubtype="1" fill="hold" nodeType="clickEffect">
-                                  <p:stCondLst>
-                                    <p:cond delay="0"/>
-                                  </p:stCondLst>
-                                  <p:childTnLst>
-                                    <p:set>
-                                      <p:cBhvr>
-                                        <p:cTn id="34" dur="1" fill="hold">
-                                          <p:stCondLst>
-                                            <p:cond delay="0"/>
-                                          </p:stCondLst>
-                                        </p:cTn>
-                                        <p:tgtEl>
-                                          <p:spTgt spid="5"/>
-                                        </p:tgtEl>
-                                        <p:attrNameLst>
-                                          <p:attrName>style.visibility</p:attrName>
-                                        </p:attrNameLst>
-                                      </p:cBhvr>
-                                      <p:to>
-                                        <p:strVal val="visible"/>
-                                      </p:to>
-                                    </p:set>
-                                    <p:animEffect transition="in" filter="wheel(1)">
-                                      <p:cBhvr>
-                                        <p:cTn id="35" dur="2000"/>
-                                        <p:tgtEl>
-                                          <p:spTgt spid="5"/>
-                                        </p:tgtEl>
-                                      </p:cBhvr>
-                                    </p:animEffect>
-                                  </p:childTnLst>
-                                </p:cTn>
-                              </p:par>
-                            </p:childTnLst>
-                          </p:cTn>
-                        </p:par>
-                      </p:childTnLst>
-                    </p:cTn>
-                  </p:par>
-                  <p:par>
-                    <p:cTn id="36" fill="hold">
-                      <p:stCondLst>
-                        <p:cond delay="indefinite"/>
-                      </p:stCondLst>
-                      <p:childTnLst>
-                        <p:par>
-                          <p:cTn id="37" fill="hold">
-                            <p:stCondLst>
-                              <p:cond delay="0"/>
-                            </p:stCondLst>
-                            <p:childTnLst>
-                              <p:par>
-                                <p:cTn id="38" presetID="21" presetClass="entr" presetSubtype="1" fill="hold" nodeType="clickEffect">
-                                  <p:stCondLst>
-                                    <p:cond delay="0"/>
-                                  </p:stCondLst>
-                                  <p:childTnLst>
-                                    <p:set>
-                                      <p:cBhvr>
-                                        <p:cTn id="39" dur="1" fill="hold">
-                                          <p:stCondLst>
-                                            <p:cond delay="0"/>
-                                          </p:stCondLst>
-                                        </p:cTn>
-                                        <p:tgtEl>
-                                          <p:spTgt spid="6"/>
-                                        </p:tgtEl>
-                                        <p:attrNameLst>
-                                          <p:attrName>style.visibility</p:attrName>
-                                        </p:attrNameLst>
-                                      </p:cBhvr>
-                                      <p:to>
-                                        <p:strVal val="visible"/>
-                                      </p:to>
-                                    </p:set>
-                                    <p:animEffect transition="in" filter="wheel(1)">
-                                      <p:cBhvr>
-                                        <p:cTn id="40" dur="2000"/>
-                                        <p:tgtEl>
-                                          <p:spTgt spid="6"/>
-                                        </p:tgtEl>
-                                      </p:cBhvr>
-                                    </p:animEffect>
                                   </p:childTnLst>
                                 </p:cTn>
                               </p:par>
@@ -7036,18 +6813,7 @@
                 </a:solidFill>
                 <a:latin typeface="Georgia" panose="02040502050405020303" pitchFamily="18" charset="0"/>
               </a:rPr>
-              <a:t>– програма, която позволява да се правят различни вградени </a:t>
-            </a:r>
-            <a:r>
-              <a:rPr lang="bg-BG" sz="2400" dirty="0" smtClean="0">
-                <a:solidFill>
-                  <a:schemeClr val="accent4">
-                    <a:lumMod val="50000"/>
-                  </a:schemeClr>
-                </a:solidFill>
-                <a:latin typeface="Georgia" panose="02040502050405020303" pitchFamily="18" charset="0"/>
-              </a:rPr>
-              <a:t>си</a:t>
+              <a:t>– програма, която позволява да се правят различни вградени си</a:t>
             </a:r>
             <a:r>
               <a:rPr lang="bg-BG" sz="2400" dirty="0">
@@ -7069,18 +6835,7 @@
                 </a:solidFill>
                 <a:latin typeface="Georgia" panose="02040502050405020303" pitchFamily="18" charset="0"/>
               </a:rPr>
-              <a:t>теми </a:t>
-            </a:r>
-            <a:r>
-              <a:rPr lang="bg-BG" sz="2400" dirty="0" smtClean="0">
-                <a:solidFill>
-                  <a:schemeClr val="accent4">
-                    <a:lumMod val="50000"/>
-                  </a:schemeClr>
-                </a:solidFill>
-                <a:latin typeface="Georgia" panose="02040502050405020303" pitchFamily="18" charset="0"/>
-              </a:rPr>
-              <a:t>с различни компоненти, свързани помежду си по специален начин.</a:t>
+              <a:t>теми с различни компоненти, свързани помежду си по специален начин.</a:t>
             </a:r>
             <a:endParaRPr lang="en-US" sz="2400" dirty="0">
               <a:solidFill>
@@ -7142,6 +6897,36 @@
           <a:lstStyle/>
           <a:p>
             <a:r>
+              <a:rPr lang="en-US" u="sng" dirty="0" smtClean="0">
+                <a:solidFill>
+                  <a:schemeClr val="accent4">
+                    <a:lumMod val="50000"/>
+                  </a:schemeClr>
+                </a:solidFill>
+              </a:rPr>
+              <a:t>“Super </a:t>
+            </a:r>
+            <a:r>
+              <a:rPr lang="en-US" u="sng" dirty="0" err="1" smtClean="0">
+                <a:solidFill>
+                  <a:schemeClr val="accent4">
+                    <a:lumMod val="50000"/>
+                  </a:schemeClr>
+                </a:solidFill>
+              </a:rPr>
+              <a:t>Marto</a:t>
+            </a:r>
+            <a:r>
+              <a:rPr lang="en-US" u="sng" dirty="0" smtClean="0">
+                <a:solidFill>
+                  <a:schemeClr val="accent4">
+                    <a:lumMod val="50000"/>
+                  </a:schemeClr>
+                </a:solidFill>
+              </a:rPr>
+              <a:t>”</a:t>
+            </a:r>
+            <a:r>
               <a:rPr lang="en-US" dirty="0" smtClean="0">
                 <a:solidFill>
                   <a:schemeClr val="accent4">
@@ -7149,27 +6934,7 @@
                   </a:schemeClr>
                 </a:solidFill>
               </a:rPr>
-              <a:t>“Super </a:t>
-            </a:r>
-            <a:r>
-              <a:rPr lang="en-US" dirty="0" err="1" smtClean="0">
-                <a:solidFill>
-                  <a:schemeClr val="accent4">
-                    <a:lumMod val="50000"/>
-                  </a:schemeClr>
-                </a:solidFill>
-              </a:rPr>
-              <a:t>Marto</a:t>
-            </a:r>
-            <a:r>
-              <a:rPr lang="en-US" dirty="0" smtClean="0">
-                <a:solidFill>
-                  <a:schemeClr val="accent4">
-                    <a:lumMod val="50000"/>
-                  </a:schemeClr>
-                </a:solidFill>
-              </a:rPr>
-              <a:t>” </a:t>
+              <a:t> </a:t>
             </a:r>
             <a:r>
               <a:rPr lang="bg-BG" dirty="0" smtClean="0">
@@ -7179,7 +6944,67 @@
                   </a:schemeClr>
                 </a:solidFill>
               </a:rPr>
-              <a:t>е изработена от Ванеса Годжанова, Християн Илиев и Ерхан Неби</a:t>
+              <a:t>е изработена от Ванеса </a:t>
+            </a:r>
+            <a:r>
+              <a:rPr lang="bg-BG" dirty="0" err="1" smtClean="0">
+                <a:solidFill>
+                  <a:schemeClr val="accent4">
+                    <a:lumMod val="50000"/>
+                  </a:schemeClr>
+                </a:solidFill>
+              </a:rPr>
+              <a:t>Годжанова</a:t>
+            </a:r>
+            <a:r>
+              <a:rPr lang="bg-BG" dirty="0">
+                <a:solidFill>
+                  <a:schemeClr val="accent4">
+                    <a:lumMod val="50000"/>
+                  </a:schemeClr>
+                </a:solidFill>
+              </a:rPr>
+              <a:t>, Ерхан </a:t>
+            </a:r>
+            <a:r>
+              <a:rPr lang="bg-BG" dirty="0" err="1" smtClean="0">
+                <a:solidFill>
+                  <a:schemeClr val="accent4">
+                    <a:lumMod val="50000"/>
+                  </a:schemeClr>
+                </a:solidFill>
+              </a:rPr>
+              <a:t>Неби</a:t>
+            </a:r>
+            <a:r>
+              <a:rPr lang="bg-BG" dirty="0" smtClean="0">
+                <a:solidFill>
+                  <a:schemeClr val="accent4">
+                    <a:lumMod val="50000"/>
+                  </a:schemeClr>
+                </a:solidFill>
+              </a:rPr>
+              <a:t> и </a:t>
+            </a:r>
+            <a:r>
+              <a:rPr lang="bg-BG" dirty="0" smtClean="0">
+                <a:solidFill>
+                  <a:schemeClr val="accent4">
+                    <a:lumMod val="50000"/>
+                  </a:schemeClr>
+                </a:solidFill>
+              </a:rPr>
+              <a:t>Християн </a:t>
+            </a:r>
+            <a:r>
+              <a:rPr lang="bg-BG" dirty="0" smtClean="0">
+                <a:solidFill>
+                  <a:schemeClr val="accent4">
+                    <a:lumMod val="50000"/>
+                  </a:schemeClr>
+                </a:solidFill>
+              </a:rPr>
+              <a:t>Илиев</a:t>
             </a:r>
             <a:r>
               <a:rPr lang="en-US" dirty="0" smtClean="0">
@@ -7199,7 +7024,47 @@
                   </a:schemeClr>
                 </a:solidFill>
               </a:rPr>
-              <a:t>ученици от 11 клас към ППМГ „Никола Обрешков“ град Казанлък.</a:t>
+              <a:t>ученици </a:t>
+            </a:r>
+            <a:r>
+              <a:rPr lang="bg-BG" dirty="0" smtClean="0">
+                <a:solidFill>
+                  <a:schemeClr val="accent4">
+                    <a:lumMod val="50000"/>
+                  </a:schemeClr>
+                </a:solidFill>
+              </a:rPr>
+              <a:t>в </a:t>
+            </a:r>
+            <a:r>
+              <a:rPr lang="bg-BG" dirty="0" smtClean="0">
+                <a:solidFill>
+                  <a:schemeClr val="accent4">
+                    <a:lumMod val="50000"/>
+                  </a:schemeClr>
+                </a:solidFill>
+              </a:rPr>
+              <a:t>11 клас </a:t>
+            </a:r>
+            <a:r>
+              <a:rPr lang="bg-BG" dirty="0" smtClean="0">
+                <a:solidFill>
+                  <a:schemeClr val="accent4">
+                    <a:lumMod val="50000"/>
+                  </a:schemeClr>
+                </a:solidFill>
+              </a:rPr>
+              <a:t>от </a:t>
+            </a:r>
+            <a:r>
+              <a:rPr lang="bg-BG" dirty="0" smtClean="0">
+                <a:solidFill>
+                  <a:schemeClr val="accent4">
+                    <a:lumMod val="50000"/>
+                  </a:schemeClr>
+                </a:solidFill>
+              </a:rPr>
+              <a:t>ППМГ „Никола Обрешков“ град Казанлък.</a:t>
             </a:r>
             <a:endParaRPr lang="en-US" dirty="0">
               <a:solidFill>
@@ -7213,14 +7078,44 @@
       </p:sp>
       <p:pic>
         <p:nvPicPr>
-          <p:cNvPr id="5" name="Picture 4"/>
+          <p:cNvPr id="2" name="Picture 1"/>
           <p:cNvPicPr>
             <a:picLocks noChangeAspect="1"/>
           </p:cNvPicPr>
           <p:nvPr/>
         </p:nvPicPr>
         <p:blipFill>
-          <a:blip r:embed="rId2" cstate="print">
+          <a:blip r:embed="rId2">
+            <a:extLst>
+              <a:ext uri="{28A0092B-C50C-407E-A947-70E740481C1C}">
+                <a14:useLocalDpi xmlns:a14="http://schemas.microsoft.com/office/drawing/2010/main" val="0"/>
+              </a:ext>
+            </a:extLst>
+          </a:blip>
+          <a:stretch>
+            <a:fillRect/>
+          </a:stretch>
+        </p:blipFill>
+        <p:spPr>
+          <a:xfrm rot="2618801">
+            <a:off x="7130817" y="41221"/>
+            <a:ext cx="2769645" cy="3028873"/>
+          </a:xfrm>
+          <a:prstGeom prst="rect">
+            <a:avLst/>
+          </a:prstGeom>
+        </p:spPr>
+      </p:pic>
+      <p:pic>
+        <p:nvPicPr>
+          <p:cNvPr id="7" name="Picture 6"/>
+          <p:cNvPicPr>
+            <a:picLocks noChangeAspect="1"/>
+          </p:cNvPicPr>
+          <p:nvPr/>
+        </p:nvPicPr>
+        <p:blipFill>
+          <a:blip r:embed="rId3">
             <a:extLst>
               <a:ext uri="{28A0092B-C50C-407E-A947-70E740481C1C}">
                 <a14:useLocalDpi xmlns:a14="http://schemas.microsoft.com/office/drawing/2010/main" val="0"/>
@@ -7233,38 +7128,8 @@
         </p:blipFill>
         <p:spPr>
           <a:xfrm>
-            <a:off x="6302829" y="812164"/>
-            <a:ext cx="1765663" cy="1765663"/>
-          </a:xfrm>
-          <a:prstGeom prst="rect">
-            <a:avLst/>
-          </a:prstGeom>
-        </p:spPr>
-      </p:pic>
-      <p:pic>
-        <p:nvPicPr>
-          <p:cNvPr id="6" name="Picture 5"/>
-          <p:cNvPicPr>
-            <a:picLocks noChangeAspect="1"/>
-          </p:cNvPicPr>
-          <p:nvPr/>
-        </p:nvPicPr>
-        <p:blipFill>
-          <a:blip r:embed="rId3" cstate="print">
-            <a:extLst>
-              <a:ext uri="{28A0092B-C50C-407E-A947-70E740481C1C}">
-                <a14:useLocalDpi xmlns:a14="http://schemas.microsoft.com/office/drawing/2010/main" val="0"/>
-              </a:ext>
-            </a:extLst>
-          </a:blip>
-          <a:stretch>
-            <a:fillRect/>
-          </a:stretch>
-        </p:blipFill>
-        <p:spPr>
-          <a:xfrm>
-            <a:off x="4728483" y="4658502"/>
-            <a:ext cx="1239066" cy="1354171"/>
+            <a:off x="563880" y="3998411"/>
+            <a:ext cx="3315788" cy="3315788"/>
           </a:xfrm>
           <a:prstGeom prst="rect">
             <a:avLst/>
@@ -7736,112 +7601,6 @@
                                         </p:tav>
                                       </p:tavLst>
                                     </p:anim>
-                                  </p:childTnLst>
-                                </p:cTn>
-                              </p:par>
-                            </p:childTnLst>
-                          </p:cTn>
-                        </p:par>
-                      </p:childTnLst>
-                    </p:cTn>
-                  </p:par>
-                  <p:par>
-                    <p:cTn id="31" fill="hold">
-                      <p:stCondLst>
-                        <p:cond delay="indefinite"/>
-                      </p:stCondLst>
-                      <p:childTnLst>
-                        <p:par>
-                          <p:cTn id="32" fill="hold">
-                            <p:stCondLst>
-                              <p:cond delay="0"/>
-                            </p:stCondLst>
-                            <p:childTnLst>
-                              <p:par>
-                                <p:cTn id="33" presetID="21" presetClass="entr" presetSubtype="1" fill="hold" nodeType="clickEffect">
-                                  <p:stCondLst>
-                                    <p:cond delay="0"/>
-                                  </p:stCondLst>
-                                  <p:childTnLst>
-                                    <p:set>
-                                      <p:cBhvr>
-                                        <p:cTn id="34" dur="1" fill="hold">
-                                          <p:stCondLst>
-                                            <p:cond delay="0"/>
-                                          </p:stCondLst>
-                                        </p:cTn>
-                                        <p:tgtEl>
-                                          <p:spTgt spid="5"/>
-                                        </p:tgtEl>
-                                        <p:attrNameLst>
-                                          <p:attrName>style.visibility</p:attrName>
-                                        </p:attrNameLst>
-                                      </p:cBhvr>
-                                      <p:to>
-                                        <p:strVal val="visible"/>
-                                      </p:to>
-                                    </p:set>
-                                    <p:animEffect transition="in" filter="wheel(1)">
-                                      <p:cBhvr>
-                                        <p:cTn id="35" dur="2000"/>
-                                        <p:tgtEl>
-                                          <p:spTgt spid="5"/>
-                                        </p:tgtEl>
-                                      </p:cBhvr>
-                                    </p:animEffect>
-                                  </p:childTnLst>
-                                </p:cTn>
-                              </p:par>
-                            </p:childTnLst>
-                          </p:cTn>
-                        </p:par>
-                      </p:childTnLst>
-                    </p:cTn>
-                  </p:par>
-                  <p:par>
-                    <p:cTn id="36" fill="hold">
-                      <p:stCondLst>
-                        <p:cond delay="indefinite"/>
-                      </p:stCondLst>
-                      <p:childTnLst>
-                        <p:par>
-                          <p:cTn id="37" fill="hold">
-                            <p:stCondLst>
-                              <p:cond delay="0"/>
-                            </p:stCondLst>
-                            <p:childTnLst>
-                              <p:par>
-                                <p:cTn id="38" presetID="21" presetClass="entr" presetSubtype="1" fill="hold" nodeType="clickEffect">
-                                  <p:stCondLst>
-                                    <p:cond delay="0"/>
-                                  </p:stCondLst>
-                                  <p:childTnLst>
-                                    <p:set>
-                                      <p:cBhvr>
-                                        <p:cTn id="39" dur="1" fill="hold">
-                                          <p:stCondLst>
-                                            <p:cond delay="0"/>
-                                          </p:stCondLst>
-                                        </p:cTn>
-                                        <p:tgtEl>
-                                          <p:spTgt spid="6"/>
-                                        </p:tgtEl>
-                                        <p:attrNameLst>
-                                          <p:attrName>style.visibility</p:attrName>
-                                        </p:attrNameLst>
-                                      </p:cBhvr>
-                                      <p:to>
-                                        <p:strVal val="visible"/>
-                                      </p:to>
-                                    </p:set>
-                                    <p:animEffect transition="in" filter="wheel(1)">
-                                      <p:cBhvr>
-                                        <p:cTn id="40" dur="2000"/>
-                                        <p:tgtEl>
-                                          <p:spTgt spid="6"/>
-                                        </p:tgtEl>
-                                      </p:cBhvr>
-                                    </p:animEffect>
                                   </p:childTnLst>
                                 </p:cTn>
                               </p:par>
@@ -8707,7 +8466,7 @@
           <a:lstStyle/>
           <a:p>
             <a:r>
-              <a:rPr lang="en-US" sz="2400" dirty="0" smtClean="0">
+              <a:rPr lang="en-US" sz="2400" u="sng" dirty="0" smtClean="0">
                 <a:solidFill>
                   <a:schemeClr val="accent2">
                     <a:lumMod val="50000"/>
@@ -8718,7 +8477,7 @@
               <a:t>“Super </a:t>
             </a:r>
             <a:r>
-              <a:rPr lang="en-US" sz="2400" dirty="0" err="1" smtClean="0">
+              <a:rPr lang="en-US" sz="2400" u="sng" dirty="0" err="1" smtClean="0">
                 <a:solidFill>
                   <a:schemeClr val="accent2">
                     <a:lumMod val="50000"/>
@@ -8729,6 +8488,17 @@
               <a:t>Marto</a:t>
             </a:r>
             <a:r>
+              <a:rPr lang="bg-BG" sz="2400" u="sng" dirty="0" smtClean="0">
+                <a:solidFill>
+                  <a:schemeClr val="accent2">
+                    <a:lumMod val="50000"/>
+                  </a:schemeClr>
+                </a:solidFill>
+                <a:latin typeface="Georgia" panose="02040502050405020303" pitchFamily="18" charset="0"/>
+              </a:rPr>
+              <a:t>“</a:t>
+            </a:r>
+            <a:r>
               <a:rPr lang="bg-BG" sz="2400" dirty="0" smtClean="0">
                 <a:solidFill>
                   <a:schemeClr val="accent2">
@@ -8737,40 +8507,7 @@
                 </a:solidFill>
                 <a:latin typeface="Georgia" panose="02040502050405020303" pitchFamily="18" charset="0"/>
               </a:rPr>
-              <a:t>“ е играта, с която ще можете да развиете </a:t>
-            </a:r>
-            <a:r>
-              <a:rPr lang="bg-BG" sz="2400" smtClean="0">
-                <a:solidFill>
-                  <a:schemeClr val="accent2">
-                    <a:lumMod val="50000"/>
-                  </a:schemeClr>
-                </a:solidFill>
-                <a:latin typeface="Georgia" panose="02040502050405020303" pitchFamily="18" charset="0"/>
-              </a:rPr>
-              <a:t>способностите </a:t>
-            </a:r>
-            <a:r>
-              <a:rPr lang="bg-BG" sz="2400" smtClean="0">
-                <a:solidFill>
-                  <a:schemeClr val="accent2">
-                    <a:lumMod val="50000"/>
-                  </a:schemeClr>
-                </a:solidFill>
-                <a:latin typeface="Georgia" panose="02040502050405020303" pitchFamily="18" charset="0"/>
-              </a:rPr>
-              <a:t>си да </a:t>
-            </a:r>
-            <a:r>
-              <a:rPr lang="bg-BG" sz="2400" dirty="0" smtClean="0">
-                <a:solidFill>
-                  <a:schemeClr val="accent2">
-                    <a:lumMod val="50000"/>
-                  </a:schemeClr>
-                </a:solidFill>
-                <a:latin typeface="Georgia" panose="02040502050405020303" pitchFamily="18" charset="0"/>
-              </a:rPr>
-              <a:t>се справяте по – лесно с трудностите по пътя към върха. Чрез нея можете да се съревновавате с вашите приятели и да разберете кой е по – добрият играч. Тя ще бъде вашето спасение в моментите, в които се чудите какво да правите.</a:t>
+              <a:t> е играта, с която ще можете да развиете способностите си да се справяте по – лесно с трудностите по пътя към върха. Чрез нея можете да се съревновавате с вашите приятели и да разберете кой е по – добрият играч. Тя ще бъде вашето спасение в моментите, в които се чудите какво да правите.</a:t>
             </a:r>
           </a:p>
           <a:p>
